--- a/templates/creativo.pptx
+++ b/templates/creativo.pptx
@@ -2387,7 +2387,7 @@
           </a:bodyPr>
           <a:lstStyle>
             <a:lvl1pPr algn="l">
-              <a:defRPr sz="3600"/>
+              <a:defRPr sz="2400"/>
             </a:lvl1pPr>
           </a:lstStyle>
           <a:p>
@@ -2820,11 +2820,17 @@
           </a:xfrm>
         </p:spPr>
         <p:txBody>
-          <a:bodyPr/>
-          <a:lstStyle/>
-          <a:p>
-            <a:r>
-              <a:rPr lang="en-US"/>
+          <a:bodyPr>
+            <a:normAutofit/>
+          </a:bodyPr>
+          <a:lstStyle>
+            <a:lvl1pPr>
+              <a:defRPr sz="2800"/>
+            </a:lvl1pPr>
+          </a:lstStyle>
+          <a:p>
+            <a:r>
+              <a:rPr lang="en-US" dirty="0"/>
               <a:t>Click to edit Master title style</a:t>
             </a:r>
           </a:p>
@@ -2854,7 +2860,7 @@
           <a:lstStyle>
             <a:lvl1pPr marL="0" indent="0" algn="ctr">
               <a:buNone/>
-              <a:defRPr>
+              <a:defRPr sz="2000">
                 <a:solidFill>
                   <a:schemeClr val="tx1">
                     <a:tint val="75000"/>
@@ -2945,7 +2951,7 @@
           </a:lstStyle>
           <a:p>
             <a:r>
-              <a:rPr lang="en-US"/>
+              <a:rPr lang="en-US" dirty="0"/>
               <a:t>Click to edit Master subtitle style</a:t>
             </a:r>
           </a:p>
@@ -3082,11 +3088,17 @@
         </p:nvSpPr>
         <p:spPr/>
         <p:txBody>
-          <a:bodyPr/>
-          <a:lstStyle/>
-          <a:p>
-            <a:r>
-              <a:rPr lang="en-US"/>
+          <a:bodyPr>
+            <a:normAutofit/>
+          </a:bodyPr>
+          <a:lstStyle>
+            <a:lvl1pPr>
+              <a:defRPr sz="2400"/>
+            </a:lvl1pPr>
+          </a:lstStyle>
+          <a:p>
+            <a:r>
+              <a:rPr lang="en-US" dirty="0"/>
               <a:t>Click to edit Master title style</a:t>
             </a:r>
           </a:p>
@@ -3113,39 +3125,55 @@
         </p:spPr>
         <p:txBody>
           <a:bodyPr/>
-          <a:lstStyle/>
+          <a:lstStyle>
+            <a:lvl1pPr>
+              <a:defRPr sz="2000"/>
+            </a:lvl1pPr>
+            <a:lvl2pPr>
+              <a:defRPr sz="2000"/>
+            </a:lvl2pPr>
+            <a:lvl3pPr>
+              <a:defRPr sz="2000"/>
+            </a:lvl3pPr>
+            <a:lvl4pPr>
+              <a:defRPr sz="2000"/>
+            </a:lvl4pPr>
+            <a:lvl5pPr>
+              <a:defRPr sz="2000"/>
+            </a:lvl5pPr>
+          </a:lstStyle>
           <a:p>
             <a:pPr lvl="0"/>
             <a:r>
-              <a:rPr lang="en-US"/>
+              <a:rPr lang="en-US" dirty="0"/>
               <a:t>Click to edit Master text styles</a:t>
             </a:r>
           </a:p>
           <a:p>
             <a:pPr lvl="1"/>
             <a:r>
-              <a:rPr lang="en-US"/>
+              <a:rPr lang="en-US" dirty="0"/>
               <a:t>Second level</a:t>
             </a:r>
           </a:p>
           <a:p>
             <a:pPr lvl="2"/>
             <a:r>
-              <a:rPr lang="en-US"/>
+              <a:rPr lang="en-US" dirty="0"/>
               <a:t>Third level</a:t>
             </a:r>
           </a:p>
           <a:p>
             <a:pPr lvl="3"/>
             <a:r>
-              <a:rPr lang="en-US"/>
+              <a:rPr lang="en-US" dirty="0"/>
               <a:t>Fourth level</a:t>
             </a:r>
           </a:p>
           <a:p>
             <a:pPr lvl="4"/>
             <a:r>
-              <a:rPr lang="en-US"/>
+              <a:rPr lang="en-US" dirty="0"/>
               <a:t>Fifth level</a:t>
             </a:r>
           </a:p>
@@ -3282,11 +3310,17 @@
         </p:nvSpPr>
         <p:spPr/>
         <p:txBody>
-          <a:bodyPr/>
-          <a:lstStyle/>
-          <a:p>
-            <a:r>
-              <a:rPr lang="en-US"/>
+          <a:bodyPr>
+            <a:normAutofit/>
+          </a:bodyPr>
+          <a:lstStyle>
+            <a:lvl1pPr>
+              <a:defRPr sz="2400"/>
+            </a:lvl1pPr>
+          </a:lstStyle>
+          <a:p>
+            <a:r>
+              <a:rPr lang="en-US" dirty="0"/>
               <a:t>Click to edit Master title style</a:t>
             </a:r>
           </a:p>
@@ -3315,19 +3349,19 @@
           <a:bodyPr/>
           <a:lstStyle>
             <a:lvl1pPr>
-              <a:defRPr sz="2800"/>
+              <a:defRPr sz="2000"/>
             </a:lvl1pPr>
             <a:lvl2pPr>
-              <a:defRPr sz="2400"/>
+              <a:defRPr sz="2000"/>
             </a:lvl2pPr>
             <a:lvl3pPr>
               <a:defRPr sz="2000"/>
             </a:lvl3pPr>
             <a:lvl4pPr>
-              <a:defRPr sz="1800"/>
+              <a:defRPr sz="2000"/>
             </a:lvl4pPr>
             <a:lvl5pPr>
-              <a:defRPr sz="1800"/>
+              <a:defRPr sz="2000"/>
             </a:lvl5pPr>
             <a:lvl6pPr>
               <a:defRPr sz="1800"/>
@@ -3345,35 +3379,35 @@
           <a:p>
             <a:pPr lvl="0"/>
             <a:r>
-              <a:rPr lang="en-US"/>
+              <a:rPr lang="en-US" dirty="0"/>
               <a:t>Click to edit Master text styles</a:t>
             </a:r>
           </a:p>
           <a:p>
             <a:pPr lvl="1"/>
             <a:r>
-              <a:rPr lang="en-US"/>
+              <a:rPr lang="en-US" dirty="0"/>
               <a:t>Second level</a:t>
             </a:r>
           </a:p>
           <a:p>
             <a:pPr lvl="2"/>
             <a:r>
-              <a:rPr lang="en-US"/>
+              <a:rPr lang="en-US" dirty="0"/>
               <a:t>Third level</a:t>
             </a:r>
           </a:p>
           <a:p>
             <a:pPr lvl="3"/>
             <a:r>
-              <a:rPr lang="en-US"/>
+              <a:rPr lang="en-US" dirty="0"/>
               <a:t>Fourth level</a:t>
             </a:r>
           </a:p>
           <a:p>
             <a:pPr lvl="4"/>
             <a:r>
-              <a:rPr lang="en-US"/>
+              <a:rPr lang="en-US" dirty="0"/>
               <a:t>Fifth level</a:t>
             </a:r>
           </a:p>
@@ -3402,19 +3436,19 @@
           <a:bodyPr/>
           <a:lstStyle>
             <a:lvl1pPr>
-              <a:defRPr sz="2800"/>
+              <a:defRPr sz="2000"/>
             </a:lvl1pPr>
             <a:lvl2pPr>
-              <a:defRPr sz="2400"/>
+              <a:defRPr sz="2000"/>
             </a:lvl2pPr>
             <a:lvl3pPr>
               <a:defRPr sz="2000"/>
             </a:lvl3pPr>
             <a:lvl4pPr>
-              <a:defRPr sz="1800"/>
+              <a:defRPr sz="2000"/>
             </a:lvl4pPr>
             <a:lvl5pPr>
-              <a:defRPr sz="1800"/>
+              <a:defRPr sz="2000"/>
             </a:lvl5pPr>
             <a:lvl6pPr>
               <a:defRPr sz="1800"/>
@@ -3432,35 +3466,35 @@
           <a:p>
             <a:pPr lvl="0"/>
             <a:r>
-              <a:rPr lang="en-US"/>
+              <a:rPr lang="en-US" dirty="0"/>
               <a:t>Click to edit Master text styles</a:t>
             </a:r>
           </a:p>
           <a:p>
             <a:pPr lvl="1"/>
             <a:r>
-              <a:rPr lang="en-US"/>
+              <a:rPr lang="en-US" dirty="0"/>
               <a:t>Second level</a:t>
             </a:r>
           </a:p>
           <a:p>
             <a:pPr lvl="2"/>
             <a:r>
-              <a:rPr lang="en-US"/>
+              <a:rPr lang="en-US" dirty="0"/>
               <a:t>Third level</a:t>
             </a:r>
           </a:p>
           <a:p>
             <a:pPr lvl="3"/>
             <a:r>
-              <a:rPr lang="en-US"/>
+              <a:rPr lang="en-US" dirty="0"/>
               <a:t>Fourth level</a:t>
             </a:r>
           </a:p>
           <a:p>
             <a:pPr lvl="4"/>
             <a:r>
-              <a:rPr lang="en-US"/>
+              <a:rPr lang="en-US" dirty="0"/>
               <a:t>Fifth level</a:t>
             </a:r>
           </a:p>
@@ -4407,10 +4441,12 @@
         </p:nvSpPr>
         <p:spPr/>
         <p:txBody>
-          <a:bodyPr/>
-          <a:lstStyle/>
-          <a:p>
-            <a:endParaRPr lang="es-ES"/>
+          <a:bodyPr>
+            <a:normAutofit/>
+          </a:bodyPr>
+          <a:lstStyle/>
+          <a:p>
+            <a:endParaRPr lang="es-ES" sz="2400" dirty="0"/>
           </a:p>
         </p:txBody>
       </p:sp>
@@ -4487,10 +4523,12 @@
         </p:nvSpPr>
         <p:spPr/>
         <p:txBody>
-          <a:bodyPr/>
-          <a:lstStyle/>
-          <a:p>
-            <a:endParaRPr lang="es-ES"/>
+          <a:bodyPr>
+            <a:normAutofit/>
+          </a:bodyPr>
+          <a:lstStyle/>
+          <a:p>
+            <a:endParaRPr lang="es-ES" sz="2400" dirty="0"/>
           </a:p>
         </p:txBody>
       </p:sp>
@@ -4515,7 +4553,7 @@
           <a:bodyPr/>
           <a:lstStyle/>
           <a:p>
-            <a:endParaRPr lang="es-ES"/>
+            <a:endParaRPr lang="es-ES" dirty="0"/>
           </a:p>
         </p:txBody>
       </p:sp>
@@ -4592,10 +4630,12 @@
         </p:nvSpPr>
         <p:spPr/>
         <p:txBody>
-          <a:bodyPr/>
-          <a:lstStyle/>
-          <a:p>
-            <a:endParaRPr lang="es-ES"/>
+          <a:bodyPr>
+            <a:normAutofit/>
+          </a:bodyPr>
+          <a:lstStyle/>
+          <a:p>
+            <a:endParaRPr lang="es-ES" sz="2400" dirty="0"/>
           </a:p>
         </p:txBody>
       </p:sp>
@@ -4620,7 +4660,7 @@
           <a:bodyPr/>
           <a:lstStyle/>
           <a:p>
-            <a:endParaRPr lang="es-ES"/>
+            <a:endParaRPr lang="es-ES" dirty="0"/>
           </a:p>
         </p:txBody>
       </p:sp>
@@ -4697,10 +4737,12 @@
         </p:nvSpPr>
         <p:spPr/>
         <p:txBody>
-          <a:bodyPr/>
-          <a:lstStyle/>
-          <a:p>
-            <a:endParaRPr lang="es-ES"/>
+          <a:bodyPr>
+            <a:normAutofit/>
+          </a:bodyPr>
+          <a:lstStyle/>
+          <a:p>
+            <a:endParaRPr lang="es-ES" sz="2400"/>
           </a:p>
         </p:txBody>
       </p:sp>
